--- a/Micro Credit Defaulter Project/Micro Credit Defaulter project ppt.pptx
+++ b/Micro Credit Defaulter Project/Micro Credit Defaulter project ppt.pptx
@@ -5,7 +5,7 @@
     <p:sldMasterId id="2147483648" r:id="rId1"/>
   </p:sldMasterIdLst>
   <p:notesMasterIdLst>
-    <p:notesMasterId r:id="rId21"/>
+    <p:notesMasterId r:id="rId22"/>
   </p:notesMasterIdLst>
   <p:sldIdLst>
     <p:sldId id="256" r:id="rId2"/>
@@ -25,8 +25,9 @@
     <p:sldId id="271" r:id="rId16"/>
     <p:sldId id="272" r:id="rId17"/>
     <p:sldId id="273" r:id="rId18"/>
-    <p:sldId id="274" r:id="rId19"/>
-    <p:sldId id="275" r:id="rId20"/>
+    <p:sldId id="276" r:id="rId19"/>
+    <p:sldId id="274" r:id="rId20"/>
+    <p:sldId id="275" r:id="rId21"/>
   </p:sldIdLst>
   <p:sldSz cx="12192000" cy="6858000"/>
   <p:notesSz cx="6858000" cy="9144000"/>
@@ -125,6 +126,11 @@
       </a:defRPr>
     </a:lvl9pPr>
   </p:defaultTextStyle>
+  <p:extLst>
+    <p:ext uri="{EFAFB233-063F-42B5-8137-9DF3F51BA10A}">
+      <p15:sldGuideLst xmlns:p15="http://schemas.microsoft.com/office/powerpoint/2012/main"/>
+    </p:ext>
+  </p:extLst>
 </p:presentation>
 </file>
 
@@ -528,7 +534,7 @@
           <a:noFill/>
           <a:extLst>
             <a:ext uri="{909E8E84-426E-40dd-AFC4-6F175D3DCCD1}">
-              <a14:hiddenFill xmlns:a14="http://schemas.microsoft.com/office/drawing/2010/main" xmlns="">
+              <a14:hiddenFill xmlns="" xmlns:a14="http://schemas.microsoft.com/office/drawing/2010/main">
                 <a:solidFill>
                   <a:srgbClr val="FFFFFF"/>
                 </a:solidFill>
@@ -588,7 +594,7 @@
             </a:ln>
             <a:extLst>
               <a:ext uri="{91240B29-F687-4f45-9708-019B960494DF}">
-                <a14:hiddenLine xmlns:a14="http://schemas.microsoft.com/office/drawing/2010/main" xmlns="" w="9525">
+                <a14:hiddenLine xmlns="" xmlns:a14="http://schemas.microsoft.com/office/drawing/2010/main" w="9525">
                   <a:solidFill>
                     <a:srgbClr val="000000"/>
                   </a:solidFill>
@@ -678,7 +684,7 @@
             </a:ln>
             <a:extLst>
               <a:ext uri="{91240B29-F687-4f45-9708-019B960494DF}">
-                <a14:hiddenLine xmlns:a14="http://schemas.microsoft.com/office/drawing/2010/main" xmlns="" w="9525">
+                <a14:hiddenLine xmlns="" xmlns:a14="http://schemas.microsoft.com/office/drawing/2010/main" w="9525">
                   <a:solidFill>
                     <a:srgbClr val="000000"/>
                   </a:solidFill>
@@ -768,7 +774,7 @@
             </a:ln>
             <a:extLst>
               <a:ext uri="{91240B29-F687-4f45-9708-019B960494DF}">
-                <a14:hiddenLine xmlns:a14="http://schemas.microsoft.com/office/drawing/2010/main" xmlns="" w="9525">
+                <a14:hiddenLine xmlns="" xmlns:a14="http://schemas.microsoft.com/office/drawing/2010/main" w="9525">
                   <a:solidFill>
                     <a:srgbClr val="000000"/>
                   </a:solidFill>
@@ -802,7 +808,7 @@
             </a:ln>
             <a:extLst>
               <a:ext uri="{91240B29-F687-4f45-9708-019B960494DF}">
-                <a14:hiddenLine xmlns:a14="http://schemas.microsoft.com/office/drawing/2010/main" xmlns="" w="9525">
+                <a14:hiddenLine xmlns="" xmlns:a14="http://schemas.microsoft.com/office/drawing/2010/main" w="9525">
                   <a:solidFill>
                     <a:srgbClr val="000000"/>
                   </a:solidFill>
@@ -892,7 +898,7 @@
             </a:ln>
             <a:extLst>
               <a:ext uri="{91240B29-F687-4f45-9708-019B960494DF}">
-                <a14:hiddenLine xmlns:a14="http://schemas.microsoft.com/office/drawing/2010/main" xmlns="" w="9525">
+                <a14:hiddenLine xmlns="" xmlns:a14="http://schemas.microsoft.com/office/drawing/2010/main" w="9525">
                   <a:solidFill>
                     <a:srgbClr val="000000"/>
                   </a:solidFill>
@@ -954,7 +960,7 @@
             </a:ln>
             <a:extLst>
               <a:ext uri="{91240B29-F687-4f45-9708-019B960494DF}">
-                <a14:hiddenLine xmlns:a14="http://schemas.microsoft.com/office/drawing/2010/main" xmlns="" w="9525">
+                <a14:hiddenLine xmlns="" xmlns:a14="http://schemas.microsoft.com/office/drawing/2010/main" w="9525">
                   <a:solidFill>
                     <a:srgbClr val="000000"/>
                   </a:solidFill>
@@ -1016,7 +1022,7 @@
             </a:ln>
             <a:extLst>
               <a:ext uri="{91240B29-F687-4f45-9708-019B960494DF}">
-                <a14:hiddenLine xmlns:a14="http://schemas.microsoft.com/office/drawing/2010/main" xmlns="" w="9525">
+                <a14:hiddenLine xmlns="" xmlns:a14="http://schemas.microsoft.com/office/drawing/2010/main" w="9525">
                   <a:solidFill>
                     <a:srgbClr val="000000"/>
                   </a:solidFill>
@@ -1106,7 +1112,7 @@
             </a:ln>
             <a:extLst>
               <a:ext uri="{91240B29-F687-4f45-9708-019B960494DF}">
-                <a14:hiddenLine xmlns:a14="http://schemas.microsoft.com/office/drawing/2010/main" xmlns="" w="9525">
+                <a14:hiddenLine xmlns="" xmlns:a14="http://schemas.microsoft.com/office/drawing/2010/main" w="9525">
                   <a:solidFill>
                     <a:srgbClr val="000000"/>
                   </a:solidFill>
@@ -1168,7 +1174,7 @@
             </a:ln>
             <a:extLst>
               <a:ext uri="{91240B29-F687-4f45-9708-019B960494DF}">
-                <a14:hiddenLine xmlns:a14="http://schemas.microsoft.com/office/drawing/2010/main" xmlns="" w="9525">
+                <a14:hiddenLine xmlns="" xmlns:a14="http://schemas.microsoft.com/office/drawing/2010/main" w="9525">
                   <a:solidFill>
                     <a:srgbClr val="000000"/>
                   </a:solidFill>
@@ -1230,7 +1236,7 @@
             </a:ln>
             <a:extLst>
               <a:ext uri="{91240B29-F687-4f45-9708-019B960494DF}">
-                <a14:hiddenLine xmlns:a14="http://schemas.microsoft.com/office/drawing/2010/main" xmlns="" w="9525">
+                <a14:hiddenLine xmlns="" xmlns:a14="http://schemas.microsoft.com/office/drawing/2010/main" w="9525">
                   <a:solidFill>
                     <a:srgbClr val="000000"/>
                   </a:solidFill>
@@ -1320,7 +1326,7 @@
             </a:ln>
             <a:extLst>
               <a:ext uri="{91240B29-F687-4f45-9708-019B960494DF}">
-                <a14:hiddenLine xmlns:a14="http://schemas.microsoft.com/office/drawing/2010/main" xmlns="" w="9525">
+                <a14:hiddenLine xmlns="" xmlns:a14="http://schemas.microsoft.com/office/drawing/2010/main" w="9525">
                   <a:solidFill>
                     <a:srgbClr val="000000"/>
                   </a:solidFill>
@@ -1410,7 +1416,7 @@
             </a:ln>
             <a:extLst>
               <a:ext uri="{91240B29-F687-4f45-9708-019B960494DF}">
-                <a14:hiddenLine xmlns:a14="http://schemas.microsoft.com/office/drawing/2010/main" xmlns="" w="9525">
+                <a14:hiddenLine xmlns="" xmlns:a14="http://schemas.microsoft.com/office/drawing/2010/main" w="9525">
                   <a:solidFill>
                     <a:srgbClr val="000000"/>
                   </a:solidFill>
@@ -1472,7 +1478,7 @@
             </a:ln>
             <a:extLst>
               <a:ext uri="{91240B29-F687-4f45-9708-019B960494DF}">
-                <a14:hiddenLine xmlns:a14="http://schemas.microsoft.com/office/drawing/2010/main" xmlns="" w="9525">
+                <a14:hiddenLine xmlns="" xmlns:a14="http://schemas.microsoft.com/office/drawing/2010/main" w="9525">
                   <a:solidFill>
                     <a:srgbClr val="000000"/>
                   </a:solidFill>
@@ -1582,7 +1588,7 @@
             </a:ln>
             <a:extLst>
               <a:ext uri="{91240B29-F687-4f45-9708-019B960494DF}">
-                <a14:hiddenLine xmlns:a14="http://schemas.microsoft.com/office/drawing/2010/main" xmlns="" w="9525">
+                <a14:hiddenLine xmlns="" xmlns:a14="http://schemas.microsoft.com/office/drawing/2010/main" w="9525">
                   <a:solidFill>
                     <a:srgbClr val="000000"/>
                   </a:solidFill>
@@ -1644,7 +1650,7 @@
             </a:ln>
             <a:extLst>
               <a:ext uri="{91240B29-F687-4f45-9708-019B960494DF}">
-                <a14:hiddenLine xmlns:a14="http://schemas.microsoft.com/office/drawing/2010/main" xmlns="" w="9525">
+                <a14:hiddenLine xmlns="" xmlns:a14="http://schemas.microsoft.com/office/drawing/2010/main" w="9525">
                   <a:solidFill>
                     <a:srgbClr val="000000"/>
                   </a:solidFill>
@@ -1734,7 +1740,7 @@
             </a:ln>
             <a:extLst>
               <a:ext uri="{91240B29-F687-4f45-9708-019B960494DF}">
-                <a14:hiddenLine xmlns:a14="http://schemas.microsoft.com/office/drawing/2010/main" xmlns="" w="9525">
+                <a14:hiddenLine xmlns="" xmlns:a14="http://schemas.microsoft.com/office/drawing/2010/main" w="9525">
                   <a:solidFill>
                     <a:srgbClr val="000000"/>
                   </a:solidFill>
@@ -1824,7 +1830,7 @@
             </a:ln>
             <a:extLst>
               <a:ext uri="{91240B29-F687-4f45-9708-019B960494DF}">
-                <a14:hiddenLine xmlns:a14="http://schemas.microsoft.com/office/drawing/2010/main" xmlns="" w="9525">
+                <a14:hiddenLine xmlns="" xmlns:a14="http://schemas.microsoft.com/office/drawing/2010/main" w="9525">
                   <a:solidFill>
                     <a:srgbClr val="000000"/>
                   </a:solidFill>
@@ -1886,7 +1892,7 @@
             </a:ln>
             <a:extLst>
               <a:ext uri="{91240B29-F687-4f45-9708-019B960494DF}">
-                <a14:hiddenLine xmlns:a14="http://schemas.microsoft.com/office/drawing/2010/main" xmlns="" w="9525">
+                <a14:hiddenLine xmlns="" xmlns:a14="http://schemas.microsoft.com/office/drawing/2010/main" w="9525">
                   <a:solidFill>
                     <a:srgbClr val="000000"/>
                   </a:solidFill>
@@ -1976,7 +1982,7 @@
             </a:ln>
             <a:extLst>
               <a:ext uri="{91240B29-F687-4f45-9708-019B960494DF}">
-                <a14:hiddenLine xmlns:a14="http://schemas.microsoft.com/office/drawing/2010/main" xmlns="" w="9525">
+                <a14:hiddenLine xmlns="" xmlns:a14="http://schemas.microsoft.com/office/drawing/2010/main" w="9525">
                   <a:solidFill>
                     <a:srgbClr val="000000"/>
                   </a:solidFill>
@@ -2066,7 +2072,7 @@
             </a:ln>
             <a:extLst>
               <a:ext uri="{91240B29-F687-4f45-9708-019B960494DF}">
-                <a14:hiddenLine xmlns:a14="http://schemas.microsoft.com/office/drawing/2010/main" xmlns="" w="9525">
+                <a14:hiddenLine xmlns="" xmlns:a14="http://schemas.microsoft.com/office/drawing/2010/main" w="9525">
                   <a:solidFill>
                     <a:srgbClr val="000000"/>
                   </a:solidFill>
@@ -2122,7 +2128,7 @@
             </a:ln>
             <a:extLst>
               <a:ext uri="{91240B29-F687-4f45-9708-019B960494DF}">
-                <a14:hiddenLine xmlns:a14="http://schemas.microsoft.com/office/drawing/2010/main" xmlns="" w="9525">
+                <a14:hiddenLine xmlns="" xmlns:a14="http://schemas.microsoft.com/office/drawing/2010/main" w="9525">
                   <a:solidFill>
                     <a:srgbClr val="000000"/>
                   </a:solidFill>
@@ -2212,7 +2218,7 @@
             </a:ln>
             <a:extLst>
               <a:ext uri="{91240B29-F687-4f45-9708-019B960494DF}">
-                <a14:hiddenLine xmlns:a14="http://schemas.microsoft.com/office/drawing/2010/main" xmlns="" w="9525">
+                <a14:hiddenLine xmlns="" xmlns:a14="http://schemas.microsoft.com/office/drawing/2010/main" w="9525">
                   <a:solidFill>
                     <a:srgbClr val="000000"/>
                   </a:solidFill>
@@ -2268,7 +2274,7 @@
             </a:ln>
             <a:extLst>
               <a:ext uri="{91240B29-F687-4f45-9708-019B960494DF}">
-                <a14:hiddenLine xmlns:a14="http://schemas.microsoft.com/office/drawing/2010/main" xmlns="" w="9525">
+                <a14:hiddenLine xmlns="" xmlns:a14="http://schemas.microsoft.com/office/drawing/2010/main" w="9525">
                   <a:solidFill>
                     <a:srgbClr val="000000"/>
                   </a:solidFill>
@@ -2358,7 +2364,7 @@
             </a:ln>
             <a:extLst>
               <a:ext uri="{91240B29-F687-4f45-9708-019B960494DF}">
-                <a14:hiddenLine xmlns:a14="http://schemas.microsoft.com/office/drawing/2010/main" xmlns="" w="9525">
+                <a14:hiddenLine xmlns="" xmlns:a14="http://schemas.microsoft.com/office/drawing/2010/main" w="9525">
                   <a:solidFill>
                     <a:srgbClr val="000000"/>
                   </a:solidFill>
@@ -2426,7 +2432,7 @@
             </a:ln>
             <a:extLst>
               <a:ext uri="{91240B29-F687-4f45-9708-019B960494DF}">
-                <a14:hiddenLine xmlns:a14="http://schemas.microsoft.com/office/drawing/2010/main" xmlns="" w="9525">
+                <a14:hiddenLine xmlns="" xmlns:a14="http://schemas.microsoft.com/office/drawing/2010/main" w="9525">
                   <a:solidFill>
                     <a:srgbClr val="000000"/>
                   </a:solidFill>
@@ -2516,7 +2522,7 @@
             </a:ln>
             <a:extLst>
               <a:ext uri="{91240B29-F687-4f45-9708-019B960494DF}">
-                <a14:hiddenLine xmlns:a14="http://schemas.microsoft.com/office/drawing/2010/main" xmlns="" w="9525">
+                <a14:hiddenLine xmlns="" xmlns:a14="http://schemas.microsoft.com/office/drawing/2010/main" w="9525">
                   <a:solidFill>
                     <a:srgbClr val="000000"/>
                   </a:solidFill>
@@ -2584,7 +2590,7 @@
             </a:ln>
             <a:extLst>
               <a:ext uri="{91240B29-F687-4f45-9708-019B960494DF}">
-                <a14:hiddenLine xmlns:a14="http://schemas.microsoft.com/office/drawing/2010/main" xmlns="" w="9525">
+                <a14:hiddenLine xmlns="" xmlns:a14="http://schemas.microsoft.com/office/drawing/2010/main" w="9525">
                   <a:solidFill>
                     <a:srgbClr val="000000"/>
                   </a:solidFill>
@@ -2674,7 +2680,7 @@
             </a:ln>
             <a:extLst>
               <a:ext uri="{91240B29-F687-4f45-9708-019B960494DF}">
-                <a14:hiddenLine xmlns:a14="http://schemas.microsoft.com/office/drawing/2010/main" xmlns="" w="9525">
+                <a14:hiddenLine xmlns="" xmlns:a14="http://schemas.microsoft.com/office/drawing/2010/main" w="9525">
                   <a:solidFill>
                     <a:srgbClr val="000000"/>
                   </a:solidFill>
@@ -2708,7 +2714,7 @@
             </a:ln>
             <a:extLst>
               <a:ext uri="{91240B29-F687-4f45-9708-019B960494DF}">
-                <a14:hiddenLine xmlns:a14="http://schemas.microsoft.com/office/drawing/2010/main" xmlns="" w="9525">
+                <a14:hiddenLine xmlns="" xmlns:a14="http://schemas.microsoft.com/office/drawing/2010/main" w="9525">
                   <a:solidFill>
                     <a:srgbClr val="000000"/>
                   </a:solidFill>
@@ -2798,7 +2804,7 @@
             </a:ln>
             <a:extLst>
               <a:ext uri="{91240B29-F687-4f45-9708-019B960494DF}">
-                <a14:hiddenLine xmlns:a14="http://schemas.microsoft.com/office/drawing/2010/main" xmlns="" w="9525">
+                <a14:hiddenLine xmlns="" xmlns:a14="http://schemas.microsoft.com/office/drawing/2010/main" w="9525">
                   <a:solidFill>
                     <a:srgbClr val="000000"/>
                   </a:solidFill>
@@ -2860,7 +2866,7 @@
             </a:ln>
             <a:extLst>
               <a:ext uri="{91240B29-F687-4f45-9708-019B960494DF}">
-                <a14:hiddenLine xmlns:a14="http://schemas.microsoft.com/office/drawing/2010/main" xmlns="" w="9525">
+                <a14:hiddenLine xmlns="" xmlns:a14="http://schemas.microsoft.com/office/drawing/2010/main" w="9525">
                   <a:solidFill>
                     <a:srgbClr val="000000"/>
                   </a:solidFill>
@@ -2922,7 +2928,7 @@
             </a:ln>
             <a:extLst>
               <a:ext uri="{91240B29-F687-4f45-9708-019B960494DF}">
-                <a14:hiddenLine xmlns:a14="http://schemas.microsoft.com/office/drawing/2010/main" xmlns="" w="9525">
+                <a14:hiddenLine xmlns="" xmlns:a14="http://schemas.microsoft.com/office/drawing/2010/main" w="9525">
                   <a:solidFill>
                     <a:srgbClr val="000000"/>
                   </a:solidFill>
@@ -3012,7 +3018,7 @@
             </a:ln>
             <a:extLst>
               <a:ext uri="{91240B29-F687-4f45-9708-019B960494DF}">
-                <a14:hiddenLine xmlns:a14="http://schemas.microsoft.com/office/drawing/2010/main" xmlns="" w="9525">
+                <a14:hiddenLine xmlns="" xmlns:a14="http://schemas.microsoft.com/office/drawing/2010/main" w="9525">
                   <a:solidFill>
                     <a:srgbClr val="000000"/>
                   </a:solidFill>
@@ -3080,7 +3086,7 @@
             </a:ln>
             <a:extLst>
               <a:ext uri="{91240B29-F687-4f45-9708-019B960494DF}">
-                <a14:hiddenLine xmlns:a14="http://schemas.microsoft.com/office/drawing/2010/main" xmlns="" w="9525">
+                <a14:hiddenLine xmlns="" xmlns:a14="http://schemas.microsoft.com/office/drawing/2010/main" w="9525">
                   <a:solidFill>
                     <a:srgbClr val="000000"/>
                   </a:solidFill>
@@ -3142,7 +3148,7 @@
             </a:ln>
             <a:extLst>
               <a:ext uri="{91240B29-F687-4f45-9708-019B960494DF}">
-                <a14:hiddenLine xmlns:a14="http://schemas.microsoft.com/office/drawing/2010/main" xmlns="" w="9525">
+                <a14:hiddenLine xmlns="" xmlns:a14="http://schemas.microsoft.com/office/drawing/2010/main" w="9525">
                   <a:solidFill>
                     <a:srgbClr val="000000"/>
                   </a:solidFill>
@@ -3232,7 +3238,7 @@
             </a:ln>
             <a:extLst>
               <a:ext uri="{91240B29-F687-4f45-9708-019B960494DF}">
-                <a14:hiddenLine xmlns:a14="http://schemas.microsoft.com/office/drawing/2010/main" xmlns="" w="9525">
+                <a14:hiddenLine xmlns="" xmlns:a14="http://schemas.microsoft.com/office/drawing/2010/main" w="9525">
                   <a:solidFill>
                     <a:srgbClr val="000000"/>
                   </a:solidFill>
@@ -3294,7 +3300,7 @@
             </a:ln>
             <a:extLst>
               <a:ext uri="{91240B29-F687-4f45-9708-019B960494DF}">
-                <a14:hiddenLine xmlns:a14="http://schemas.microsoft.com/office/drawing/2010/main" xmlns="" w="9525">
+                <a14:hiddenLine xmlns="" xmlns:a14="http://schemas.microsoft.com/office/drawing/2010/main" w="9525">
                   <a:solidFill>
                     <a:srgbClr val="000000"/>
                   </a:solidFill>
@@ -3384,7 +3390,7 @@
             </a:ln>
             <a:extLst>
               <a:ext uri="{91240B29-F687-4f45-9708-019B960494DF}">
-                <a14:hiddenLine xmlns:a14="http://schemas.microsoft.com/office/drawing/2010/main" xmlns="" w="9525">
+                <a14:hiddenLine xmlns="" xmlns:a14="http://schemas.microsoft.com/office/drawing/2010/main" w="9525">
                   <a:solidFill>
                     <a:srgbClr val="000000"/>
                   </a:solidFill>
@@ -3446,7 +3452,7 @@
             </a:ln>
             <a:extLst>
               <a:ext uri="{91240B29-F687-4f45-9708-019B960494DF}">
-                <a14:hiddenLine xmlns:a14="http://schemas.microsoft.com/office/drawing/2010/main" xmlns="" w="9525">
+                <a14:hiddenLine xmlns="" xmlns:a14="http://schemas.microsoft.com/office/drawing/2010/main" w="9525">
                   <a:solidFill>
                     <a:srgbClr val="000000"/>
                   </a:solidFill>
@@ -3536,7 +3542,7 @@
             </a:ln>
             <a:extLst>
               <a:ext uri="{91240B29-F687-4f45-9708-019B960494DF}">
-                <a14:hiddenLine xmlns:a14="http://schemas.microsoft.com/office/drawing/2010/main" xmlns="" w="9525">
+                <a14:hiddenLine xmlns="" xmlns:a14="http://schemas.microsoft.com/office/drawing/2010/main" w="9525">
                   <a:solidFill>
                     <a:srgbClr val="000000"/>
                   </a:solidFill>
@@ -3570,7 +3576,7 @@
             </a:ln>
             <a:extLst>
               <a:ext uri="{91240B29-F687-4f45-9708-019B960494DF}">
-                <a14:hiddenLine xmlns:a14="http://schemas.microsoft.com/office/drawing/2010/main" xmlns="" w="9525">
+                <a14:hiddenLine xmlns="" xmlns:a14="http://schemas.microsoft.com/office/drawing/2010/main" w="9525">
                   <a:solidFill>
                     <a:srgbClr val="000000"/>
                   </a:solidFill>
@@ -3635,7 +3641,7 @@
             </a:ln>
             <a:extLst>
               <a:ext uri="{91240B29-F687-4f45-9708-019B960494DF}">
-                <a14:hiddenLine xmlns:a14="http://schemas.microsoft.com/office/drawing/2010/main" xmlns="" w="9525">
+                <a14:hiddenLine xmlns="" xmlns:a14="http://schemas.microsoft.com/office/drawing/2010/main" w="9525">
                   <a:solidFill>
                     <a:srgbClr val="000000"/>
                   </a:solidFill>
@@ -3725,7 +3731,7 @@
             </a:ln>
             <a:extLst>
               <a:ext uri="{91240B29-F687-4f45-9708-019B960494DF}">
-                <a14:hiddenLine xmlns:a14="http://schemas.microsoft.com/office/drawing/2010/main" xmlns="" w="9525">
+                <a14:hiddenLine xmlns="" xmlns:a14="http://schemas.microsoft.com/office/drawing/2010/main" w="9525">
                   <a:solidFill>
                     <a:srgbClr val="000000"/>
                   </a:solidFill>
@@ -3787,7 +3793,7 @@
             </a:ln>
             <a:extLst>
               <a:ext uri="{91240B29-F687-4f45-9708-019B960494DF}">
-                <a14:hiddenLine xmlns:a14="http://schemas.microsoft.com/office/drawing/2010/main" xmlns="" w="9525">
+                <a14:hiddenLine xmlns="" xmlns:a14="http://schemas.microsoft.com/office/drawing/2010/main" w="9525">
                   <a:solidFill>
                     <a:srgbClr val="000000"/>
                   </a:solidFill>
@@ -3877,7 +3883,7 @@
             </a:ln>
             <a:extLst>
               <a:ext uri="{91240B29-F687-4f45-9708-019B960494DF}">
-                <a14:hiddenLine xmlns:a14="http://schemas.microsoft.com/office/drawing/2010/main" xmlns="" w="9525">
+                <a14:hiddenLine xmlns="" xmlns:a14="http://schemas.microsoft.com/office/drawing/2010/main" w="9525">
                   <a:solidFill>
                     <a:srgbClr val="000000"/>
                   </a:solidFill>
@@ -3967,7 +3973,7 @@
             </a:ln>
             <a:extLst>
               <a:ext uri="{91240B29-F687-4f45-9708-019B960494DF}">
-                <a14:hiddenLine xmlns:a14="http://schemas.microsoft.com/office/drawing/2010/main" xmlns="" w="9525">
+                <a14:hiddenLine xmlns="" xmlns:a14="http://schemas.microsoft.com/office/drawing/2010/main" w="9525">
                   <a:solidFill>
                     <a:srgbClr val="000000"/>
                   </a:solidFill>
@@ -4032,7 +4038,7 @@
             </a:ln>
             <a:extLst>
               <a:ext uri="{91240B29-F687-4f45-9708-019B960494DF}">
-                <a14:hiddenLine xmlns:a14="http://schemas.microsoft.com/office/drawing/2010/main" xmlns="" w="9525">
+                <a14:hiddenLine xmlns="" xmlns:a14="http://schemas.microsoft.com/office/drawing/2010/main" w="9525">
                   <a:solidFill>
                     <a:srgbClr val="000000"/>
                   </a:solidFill>
@@ -4094,7 +4100,7 @@
             </a:ln>
             <a:extLst>
               <a:ext uri="{91240B29-F687-4f45-9708-019B960494DF}">
-                <a14:hiddenLine xmlns:a14="http://schemas.microsoft.com/office/drawing/2010/main" xmlns="" w="9525">
+                <a14:hiddenLine xmlns="" xmlns:a14="http://schemas.microsoft.com/office/drawing/2010/main" w="9525">
                   <a:solidFill>
                     <a:srgbClr val="000000"/>
                   </a:solidFill>
@@ -4184,7 +4190,7 @@
             </a:ln>
             <a:extLst>
               <a:ext uri="{91240B29-F687-4f45-9708-019B960494DF}">
-                <a14:hiddenLine xmlns:a14="http://schemas.microsoft.com/office/drawing/2010/main" xmlns="" w="9525">
+                <a14:hiddenLine xmlns="" xmlns:a14="http://schemas.microsoft.com/office/drawing/2010/main" w="9525">
                   <a:solidFill>
                     <a:srgbClr val="000000"/>
                   </a:solidFill>
@@ -4274,7 +4280,7 @@
             </a:ln>
             <a:extLst>
               <a:ext uri="{91240B29-F687-4f45-9708-019B960494DF}">
-                <a14:hiddenLine xmlns:a14="http://schemas.microsoft.com/office/drawing/2010/main" xmlns="" w="9525">
+                <a14:hiddenLine xmlns="" xmlns:a14="http://schemas.microsoft.com/office/drawing/2010/main" w="9525">
                   <a:solidFill>
                     <a:srgbClr val="000000"/>
                   </a:solidFill>
@@ -4336,7 +4342,7 @@
             </a:ln>
             <a:extLst>
               <a:ext uri="{91240B29-F687-4f45-9708-019B960494DF}">
-                <a14:hiddenLine xmlns:a14="http://schemas.microsoft.com/office/drawing/2010/main" xmlns="" w="9525">
+                <a14:hiddenLine xmlns="" xmlns:a14="http://schemas.microsoft.com/office/drawing/2010/main" w="9525">
                   <a:solidFill>
                     <a:srgbClr val="000000"/>
                   </a:solidFill>
@@ -4456,7 +4462,7 @@
             </a:ln>
             <a:extLst>
               <a:ext uri="{91240B29-F687-4f45-9708-019B960494DF}">
-                <a14:hiddenLine xmlns:a14="http://schemas.microsoft.com/office/drawing/2010/main" xmlns="" w="9525">
+                <a14:hiddenLine xmlns="" xmlns:a14="http://schemas.microsoft.com/office/drawing/2010/main" w="9525">
                   <a:solidFill>
                     <a:srgbClr val="000000"/>
                   </a:solidFill>
@@ -4524,7 +4530,7 @@
             </a:ln>
             <a:extLst>
               <a:ext uri="{91240B29-F687-4f45-9708-019B960494DF}">
-                <a14:hiddenLine xmlns:a14="http://schemas.microsoft.com/office/drawing/2010/main" xmlns="" w="9525">
+                <a14:hiddenLine xmlns="" xmlns:a14="http://schemas.microsoft.com/office/drawing/2010/main" w="9525">
                   <a:solidFill>
                     <a:srgbClr val="000000"/>
                   </a:solidFill>
@@ -4614,7 +4620,7 @@
             </a:ln>
             <a:extLst>
               <a:ext uri="{91240B29-F687-4f45-9708-019B960494DF}">
-                <a14:hiddenLine xmlns:a14="http://schemas.microsoft.com/office/drawing/2010/main" xmlns="" w="9525">
+                <a14:hiddenLine xmlns="" xmlns:a14="http://schemas.microsoft.com/office/drawing/2010/main" w="9525">
                   <a:solidFill>
                     <a:srgbClr val="000000"/>
                   </a:solidFill>
@@ -9336,7 +9342,7 @@
           <a:noFill/>
           <a:extLst>
             <a:ext uri="{909E8E84-426E-40dd-AFC4-6F175D3DCCD1}">
-              <a14:hiddenFill xmlns:a14="http://schemas.microsoft.com/office/drawing/2010/main" xmlns="">
+              <a14:hiddenFill xmlns="" xmlns:a14="http://schemas.microsoft.com/office/drawing/2010/main">
                 <a:solidFill>
                   <a:srgbClr val="FFFFFF"/>
                 </a:solidFill>
@@ -9410,7 +9416,7 @@
               </a:ln>
               <a:extLst>
                 <a:ext uri="{91240B29-F687-4f45-9708-019B960494DF}">
-                  <a14:hiddenLine xmlns:a14="http://schemas.microsoft.com/office/drawing/2010/main" xmlns="" w="9525">
+                  <a14:hiddenLine xmlns="" xmlns:a14="http://schemas.microsoft.com/office/drawing/2010/main" w="9525">
                     <a:solidFill>
                       <a:srgbClr val="000000"/>
                     </a:solidFill>
@@ -9500,7 +9506,7 @@
               </a:ln>
               <a:extLst>
                 <a:ext uri="{91240B29-F687-4f45-9708-019B960494DF}">
-                  <a14:hiddenLine xmlns:a14="http://schemas.microsoft.com/office/drawing/2010/main" xmlns="" w="9525">
+                  <a14:hiddenLine xmlns="" xmlns:a14="http://schemas.microsoft.com/office/drawing/2010/main" w="9525">
                     <a:solidFill>
                       <a:srgbClr val="000000"/>
                     </a:solidFill>
@@ -9590,7 +9596,7 @@
               </a:ln>
               <a:extLst>
                 <a:ext uri="{91240B29-F687-4f45-9708-019B960494DF}">
-                  <a14:hiddenLine xmlns:a14="http://schemas.microsoft.com/office/drawing/2010/main" xmlns="" w="9525">
+                  <a14:hiddenLine xmlns="" xmlns:a14="http://schemas.microsoft.com/office/drawing/2010/main" w="9525">
                     <a:solidFill>
                       <a:srgbClr val="000000"/>
                     </a:solidFill>
@@ -9652,7 +9658,7 @@
               </a:ln>
               <a:extLst>
                 <a:ext uri="{91240B29-F687-4f45-9708-019B960494DF}">
-                  <a14:hiddenLine xmlns:a14="http://schemas.microsoft.com/office/drawing/2010/main" xmlns="" w="9525">
+                  <a14:hiddenLine xmlns="" xmlns:a14="http://schemas.microsoft.com/office/drawing/2010/main" w="9525">
                     <a:solidFill>
                       <a:srgbClr val="000000"/>
                     </a:solidFill>
@@ -9742,7 +9748,7 @@
               </a:ln>
               <a:extLst>
                 <a:ext uri="{91240B29-F687-4f45-9708-019B960494DF}">
-                  <a14:hiddenLine xmlns:a14="http://schemas.microsoft.com/office/drawing/2010/main" xmlns="" w="9525">
+                  <a14:hiddenLine xmlns="" xmlns:a14="http://schemas.microsoft.com/office/drawing/2010/main" w="9525">
                     <a:solidFill>
                       <a:srgbClr val="000000"/>
                     </a:solidFill>
@@ -9804,7 +9810,7 @@
               </a:ln>
               <a:extLst>
                 <a:ext uri="{91240B29-F687-4f45-9708-019B960494DF}">
-                  <a14:hiddenLine xmlns:a14="http://schemas.microsoft.com/office/drawing/2010/main" xmlns="" w="9525">
+                  <a14:hiddenLine xmlns="" xmlns:a14="http://schemas.microsoft.com/office/drawing/2010/main" w="9525">
                     <a:solidFill>
                       <a:srgbClr val="000000"/>
                     </a:solidFill>
@@ -9866,7 +9872,7 @@
               </a:ln>
               <a:extLst>
                 <a:ext uri="{91240B29-F687-4f45-9708-019B960494DF}">
-                  <a14:hiddenLine xmlns:a14="http://schemas.microsoft.com/office/drawing/2010/main" xmlns="" w="9525">
+                  <a14:hiddenLine xmlns="" xmlns:a14="http://schemas.microsoft.com/office/drawing/2010/main" w="9525">
                     <a:solidFill>
                       <a:srgbClr val="000000"/>
                     </a:solidFill>
@@ -9956,7 +9962,7 @@
               </a:ln>
               <a:extLst>
                 <a:ext uri="{91240B29-F687-4f45-9708-019B960494DF}">
-                  <a14:hiddenLine xmlns:a14="http://schemas.microsoft.com/office/drawing/2010/main" xmlns="" w="9525">
+                  <a14:hiddenLine xmlns="" xmlns:a14="http://schemas.microsoft.com/office/drawing/2010/main" w="9525">
                     <a:solidFill>
                       <a:srgbClr val="000000"/>
                     </a:solidFill>
@@ -10046,7 +10052,7 @@
               </a:ln>
               <a:extLst>
                 <a:ext uri="{91240B29-F687-4f45-9708-019B960494DF}">
-                  <a14:hiddenLine xmlns:a14="http://schemas.microsoft.com/office/drawing/2010/main" xmlns="" w="9525">
+                  <a14:hiddenLine xmlns="" xmlns:a14="http://schemas.microsoft.com/office/drawing/2010/main" w="9525">
                     <a:solidFill>
                       <a:srgbClr val="000000"/>
                     </a:solidFill>
@@ -10108,7 +10114,7 @@
               </a:ln>
               <a:extLst>
                 <a:ext uri="{91240B29-F687-4f45-9708-019B960494DF}">
-                  <a14:hiddenLine xmlns:a14="http://schemas.microsoft.com/office/drawing/2010/main" xmlns="" w="9525">
+                  <a14:hiddenLine xmlns="" xmlns:a14="http://schemas.microsoft.com/office/drawing/2010/main" w="9525">
                     <a:solidFill>
                       <a:srgbClr val="000000"/>
                     </a:solidFill>
@@ -10218,7 +10224,7 @@
               </a:ln>
               <a:extLst>
                 <a:ext uri="{91240B29-F687-4f45-9708-019B960494DF}">
-                  <a14:hiddenLine xmlns:a14="http://schemas.microsoft.com/office/drawing/2010/main" xmlns="" w="9525">
+                  <a14:hiddenLine xmlns="" xmlns:a14="http://schemas.microsoft.com/office/drawing/2010/main" w="9525">
                     <a:solidFill>
                       <a:srgbClr val="000000"/>
                     </a:solidFill>
@@ -10302,7 +10308,7 @@
               </a:ln>
               <a:extLst>
                 <a:ext uri="{91240B29-F687-4f45-9708-019B960494DF}">
-                  <a14:hiddenLine xmlns:a14="http://schemas.microsoft.com/office/drawing/2010/main" xmlns="" w="9525">
+                  <a14:hiddenLine xmlns="" xmlns:a14="http://schemas.microsoft.com/office/drawing/2010/main" w="9525">
                     <a:solidFill>
                       <a:srgbClr val="000000"/>
                     </a:solidFill>
@@ -10364,7 +10370,7 @@
               </a:ln>
               <a:extLst>
                 <a:ext uri="{91240B29-F687-4f45-9708-019B960494DF}">
-                  <a14:hiddenLine xmlns:a14="http://schemas.microsoft.com/office/drawing/2010/main" xmlns="" w="9525">
+                  <a14:hiddenLine xmlns="" xmlns:a14="http://schemas.microsoft.com/office/drawing/2010/main" w="9525">
                     <a:solidFill>
                       <a:srgbClr val="000000"/>
                     </a:solidFill>
@@ -10426,7 +10432,7 @@
               </a:ln>
               <a:extLst>
                 <a:ext uri="{91240B29-F687-4f45-9708-019B960494DF}">
-                  <a14:hiddenLine xmlns:a14="http://schemas.microsoft.com/office/drawing/2010/main" xmlns="" w="9525">
+                  <a14:hiddenLine xmlns="" xmlns:a14="http://schemas.microsoft.com/office/drawing/2010/main" w="9525">
                     <a:solidFill>
                       <a:srgbClr val="000000"/>
                     </a:solidFill>
@@ -10516,7 +10522,7 @@
               </a:ln>
               <a:extLst>
                 <a:ext uri="{91240B29-F687-4f45-9708-019B960494DF}">
-                  <a14:hiddenLine xmlns:a14="http://schemas.microsoft.com/office/drawing/2010/main" xmlns="" w="9525">
+                  <a14:hiddenLine xmlns="" xmlns:a14="http://schemas.microsoft.com/office/drawing/2010/main" w="9525">
                     <a:solidFill>
                       <a:srgbClr val="000000"/>
                     </a:solidFill>
@@ -10550,7 +10556,7 @@
               </a:ln>
               <a:extLst>
                 <a:ext uri="{91240B29-F687-4f45-9708-019B960494DF}">
-                  <a14:hiddenLine xmlns:a14="http://schemas.microsoft.com/office/drawing/2010/main" xmlns="" w="9525">
+                  <a14:hiddenLine xmlns="" xmlns:a14="http://schemas.microsoft.com/office/drawing/2010/main" w="9525">
                     <a:solidFill>
                       <a:srgbClr val="000000"/>
                     </a:solidFill>
@@ -10615,7 +10621,7 @@
               </a:ln>
               <a:extLst>
                 <a:ext uri="{91240B29-F687-4f45-9708-019B960494DF}">
-                  <a14:hiddenLine xmlns:a14="http://schemas.microsoft.com/office/drawing/2010/main" xmlns="" w="9525">
+                  <a14:hiddenLine xmlns="" xmlns:a14="http://schemas.microsoft.com/office/drawing/2010/main" w="9525">
                     <a:solidFill>
                       <a:srgbClr val="000000"/>
                     </a:solidFill>
@@ -10705,7 +10711,7 @@
               </a:ln>
               <a:extLst>
                 <a:ext uri="{91240B29-F687-4f45-9708-019B960494DF}">
-                  <a14:hiddenLine xmlns:a14="http://schemas.microsoft.com/office/drawing/2010/main" xmlns="" w="9525">
+                  <a14:hiddenLine xmlns="" xmlns:a14="http://schemas.microsoft.com/office/drawing/2010/main" w="9525">
                     <a:solidFill>
                       <a:srgbClr val="000000"/>
                     </a:solidFill>
@@ -10767,7 +10773,7 @@
               </a:ln>
               <a:extLst>
                 <a:ext uri="{91240B29-F687-4f45-9708-019B960494DF}">
-                  <a14:hiddenLine xmlns:a14="http://schemas.microsoft.com/office/drawing/2010/main" xmlns="" w="9525">
+                  <a14:hiddenLine xmlns="" xmlns:a14="http://schemas.microsoft.com/office/drawing/2010/main" w="9525">
                     <a:solidFill>
                       <a:srgbClr val="000000"/>
                     </a:solidFill>
@@ -10857,7 +10863,7 @@
               </a:ln>
               <a:extLst>
                 <a:ext uri="{91240B29-F687-4f45-9708-019B960494DF}">
-                  <a14:hiddenLine xmlns:a14="http://schemas.microsoft.com/office/drawing/2010/main" xmlns="" w="9525">
+                  <a14:hiddenLine xmlns="" xmlns:a14="http://schemas.microsoft.com/office/drawing/2010/main" w="9525">
                     <a:solidFill>
                       <a:srgbClr val="000000"/>
                     </a:solidFill>
@@ -10922,7 +10928,7 @@
               </a:ln>
               <a:extLst>
                 <a:ext uri="{91240B29-F687-4f45-9708-019B960494DF}">
-                  <a14:hiddenLine xmlns:a14="http://schemas.microsoft.com/office/drawing/2010/main" xmlns="" w="9525">
+                  <a14:hiddenLine xmlns="" xmlns:a14="http://schemas.microsoft.com/office/drawing/2010/main" w="9525">
                     <a:solidFill>
                       <a:srgbClr val="000000"/>
                     </a:solidFill>
@@ -10984,7 +10990,7 @@
               </a:ln>
               <a:extLst>
                 <a:ext uri="{91240B29-F687-4f45-9708-019B960494DF}">
-                  <a14:hiddenLine xmlns:a14="http://schemas.microsoft.com/office/drawing/2010/main" xmlns="" w="9525">
+                  <a14:hiddenLine xmlns="" xmlns:a14="http://schemas.microsoft.com/office/drawing/2010/main" w="9525">
                     <a:solidFill>
                       <a:srgbClr val="000000"/>
                     </a:solidFill>
@@ -11074,7 +11080,7 @@
               </a:ln>
               <a:extLst>
                 <a:ext uri="{91240B29-F687-4f45-9708-019B960494DF}">
-                  <a14:hiddenLine xmlns:a14="http://schemas.microsoft.com/office/drawing/2010/main" xmlns="" w="9525">
+                  <a14:hiddenLine xmlns="" xmlns:a14="http://schemas.microsoft.com/office/drawing/2010/main" w="9525">
                     <a:solidFill>
                       <a:srgbClr val="000000"/>
                     </a:solidFill>
@@ -11164,7 +11170,7 @@
               </a:ln>
               <a:extLst>
                 <a:ext uri="{91240B29-F687-4f45-9708-019B960494DF}">
-                  <a14:hiddenLine xmlns:a14="http://schemas.microsoft.com/office/drawing/2010/main" xmlns="" w="9525">
+                  <a14:hiddenLine xmlns="" xmlns:a14="http://schemas.microsoft.com/office/drawing/2010/main" w="9525">
                     <a:solidFill>
                       <a:srgbClr val="000000"/>
                     </a:solidFill>
@@ -11229,7 +11235,7 @@
               </a:ln>
               <a:extLst>
                 <a:ext uri="{91240B29-F687-4f45-9708-019B960494DF}">
-                  <a14:hiddenLine xmlns:a14="http://schemas.microsoft.com/office/drawing/2010/main" xmlns="" w="9525">
+                  <a14:hiddenLine xmlns="" xmlns:a14="http://schemas.microsoft.com/office/drawing/2010/main" w="9525">
                     <a:solidFill>
                       <a:srgbClr val="000000"/>
                     </a:solidFill>
@@ -11349,7 +11355,7 @@
               </a:ln>
               <a:extLst>
                 <a:ext uri="{91240B29-F687-4f45-9708-019B960494DF}">
-                  <a14:hiddenLine xmlns:a14="http://schemas.microsoft.com/office/drawing/2010/main" xmlns="" w="9525">
+                  <a14:hiddenLine xmlns="" xmlns:a14="http://schemas.microsoft.com/office/drawing/2010/main" w="9525">
                     <a:solidFill>
                       <a:srgbClr val="000000"/>
                     </a:solidFill>
@@ -11447,7 +11453,7 @@
               </a:ln>
               <a:extLst>
                 <a:ext uri="{91240B29-F687-4f45-9708-019B960494DF}">
-                  <a14:hiddenLine xmlns:a14="http://schemas.microsoft.com/office/drawing/2010/main" xmlns="" w="9525">
+                  <a14:hiddenLine xmlns="" xmlns:a14="http://schemas.microsoft.com/office/drawing/2010/main" w="9525">
                     <a:solidFill>
                       <a:srgbClr val="000000"/>
                     </a:solidFill>
@@ -11562,7 +11568,7 @@
               </a:ln>
               <a:extLst>
                 <a:ext uri="{91240B29-F687-4f45-9708-019B960494DF}">
-                  <a14:hiddenLine xmlns:a14="http://schemas.microsoft.com/office/drawing/2010/main" xmlns="" w="9525">
+                  <a14:hiddenLine xmlns="" xmlns:a14="http://schemas.microsoft.com/office/drawing/2010/main" w="9525">
                     <a:solidFill>
                       <a:srgbClr val="000000"/>
                     </a:solidFill>
@@ -11652,7 +11658,7 @@
               </a:ln>
               <a:extLst>
                 <a:ext uri="{91240B29-F687-4f45-9708-019B960494DF}">
-                  <a14:hiddenLine xmlns:a14="http://schemas.microsoft.com/office/drawing/2010/main" xmlns="" w="9525">
+                  <a14:hiddenLine xmlns="" xmlns:a14="http://schemas.microsoft.com/office/drawing/2010/main" w="9525">
                     <a:solidFill>
                       <a:srgbClr val="000000"/>
                     </a:solidFill>
@@ -11717,7 +11723,7 @@
               </a:ln>
               <a:extLst>
                 <a:ext uri="{91240B29-F687-4f45-9708-019B960494DF}">
-                  <a14:hiddenLine xmlns:a14="http://schemas.microsoft.com/office/drawing/2010/main" xmlns="" w="9525">
+                  <a14:hiddenLine xmlns="" xmlns:a14="http://schemas.microsoft.com/office/drawing/2010/main" w="9525">
                     <a:solidFill>
                       <a:srgbClr val="000000"/>
                     </a:solidFill>
@@ -11807,7 +11813,7 @@
               </a:ln>
               <a:extLst>
                 <a:ext uri="{91240B29-F687-4f45-9708-019B960494DF}">
-                  <a14:hiddenLine xmlns:a14="http://schemas.microsoft.com/office/drawing/2010/main" xmlns="" w="9525">
+                  <a14:hiddenLine xmlns="" xmlns:a14="http://schemas.microsoft.com/office/drawing/2010/main" w="9525">
                     <a:solidFill>
                       <a:srgbClr val="000000"/>
                     </a:solidFill>
@@ -11875,7 +11881,7 @@
               </a:ln>
               <a:extLst>
                 <a:ext uri="{91240B29-F687-4f45-9708-019B960494DF}">
-                  <a14:hiddenLine xmlns:a14="http://schemas.microsoft.com/office/drawing/2010/main" xmlns="" w="9525">
+                  <a14:hiddenLine xmlns="" xmlns:a14="http://schemas.microsoft.com/office/drawing/2010/main" w="9525">
                     <a:solidFill>
                       <a:srgbClr val="000000"/>
                     </a:solidFill>
@@ -11965,7 +11971,7 @@
               </a:ln>
               <a:extLst>
                 <a:ext uri="{91240B29-F687-4f45-9708-019B960494DF}">
-                  <a14:hiddenLine xmlns:a14="http://schemas.microsoft.com/office/drawing/2010/main" xmlns="" w="9525">
+                  <a14:hiddenLine xmlns="" xmlns:a14="http://schemas.microsoft.com/office/drawing/2010/main" w="9525">
                     <a:solidFill>
                       <a:srgbClr val="000000"/>
                     </a:solidFill>
@@ -12033,7 +12039,7 @@
               </a:ln>
               <a:extLst>
                 <a:ext uri="{91240B29-F687-4f45-9708-019B960494DF}">
-                  <a14:hiddenLine xmlns:a14="http://schemas.microsoft.com/office/drawing/2010/main" xmlns="" w="9525">
+                  <a14:hiddenLine xmlns="" xmlns:a14="http://schemas.microsoft.com/office/drawing/2010/main" w="9525">
                     <a:solidFill>
                       <a:srgbClr val="000000"/>
                     </a:solidFill>
@@ -12123,7 +12129,7 @@
               </a:ln>
               <a:extLst>
                 <a:ext uri="{91240B29-F687-4f45-9708-019B960494DF}">
-                  <a14:hiddenLine xmlns:a14="http://schemas.microsoft.com/office/drawing/2010/main" xmlns="" w="9525">
+                  <a14:hiddenLine xmlns="" xmlns:a14="http://schemas.microsoft.com/office/drawing/2010/main" w="9525">
                     <a:solidFill>
                       <a:srgbClr val="000000"/>
                     </a:solidFill>
@@ -12157,7 +12163,7 @@
               </a:ln>
               <a:extLst>
                 <a:ext uri="{91240B29-F687-4f45-9708-019B960494DF}">
-                  <a14:hiddenLine xmlns:a14="http://schemas.microsoft.com/office/drawing/2010/main" xmlns="" w="9525">
+                  <a14:hiddenLine xmlns="" xmlns:a14="http://schemas.microsoft.com/office/drawing/2010/main" w="9525">
                     <a:solidFill>
                       <a:srgbClr val="000000"/>
                     </a:solidFill>
@@ -12766,7 +12772,6 @@
               <a:rPr lang="en-IN" dirty="0"/>
               <a:t>A comprehensive review </a:t>
             </a:r>
-            <a:endParaRPr lang="en-IN" dirty="0"/>
           </a:p>
         </p:txBody>
       </p:sp>
@@ -13566,6 +13571,120 @@
             <p:ph type="title"/>
           </p:nvPr>
         </p:nvSpPr>
+        <p:spPr>
+          <a:xfrm>
+            <a:off x="1141413" y="618518"/>
+            <a:ext cx="9905998" cy="1183778"/>
+          </a:xfrm>
+        </p:spPr>
+        <p:txBody>
+          <a:bodyPr/>
+          <a:lstStyle/>
+          <a:p>
+            <a:r>
+              <a:rPr lang="en-IN" dirty="0" smtClean="0"/>
+              <a:t>Model accuracy</a:t>
+            </a:r>
+            <a:endParaRPr lang="en-IN" dirty="0"/>
+          </a:p>
+        </p:txBody>
+      </p:sp>
+      <p:pic>
+        <p:nvPicPr>
+          <p:cNvPr id="4" name="Content Placeholder 3"/>
+          <p:cNvPicPr>
+            <a:picLocks noGrp="1" noChangeAspect="1"/>
+          </p:cNvPicPr>
+          <p:nvPr>
+            <p:ph idx="1"/>
+          </p:nvPr>
+        </p:nvPicPr>
+        <p:blipFill>
+          <a:blip r:embed="rId2"/>
+          <a:stretch>
+            <a:fillRect/>
+          </a:stretch>
+        </p:blipFill>
+        <p:spPr>
+          <a:xfrm>
+            <a:off x="1547085" y="1931602"/>
+            <a:ext cx="8895037" cy="1779007"/>
+          </a:xfrm>
+          <a:prstGeom prst="rect">
+            <a:avLst/>
+          </a:prstGeom>
+        </p:spPr>
+      </p:pic>
+      <p:sp>
+        <p:nvSpPr>
+          <p:cNvPr id="5" name="TextBox 4"/>
+          <p:cNvSpPr txBox="1"/>
+          <p:nvPr/>
+        </p:nvSpPr>
+        <p:spPr>
+          <a:xfrm>
+            <a:off x="1245704" y="4081670"/>
+            <a:ext cx="9488557" cy="923330"/>
+          </a:xfrm>
+          <a:prstGeom prst="rect">
+            <a:avLst/>
+          </a:prstGeom>
+          <a:noFill/>
+        </p:spPr>
+        <p:txBody>
+          <a:bodyPr wrap="square" rtlCol="0">
+            <a:spAutoFit/>
+          </a:bodyPr>
+          <a:lstStyle/>
+          <a:p>
+            <a:r>
+              <a:rPr lang="en-IN" dirty="0" smtClean="0"/>
+              <a:t>Here we can see that Decision tree classifier has the highest accuracy. However, if check the other models we can see the results accuracy is almost similar with very little difference, which indicates our chosen model is a best fit. </a:t>
+            </a:r>
+            <a:endParaRPr lang="en-IN" dirty="0"/>
+          </a:p>
+        </p:txBody>
+      </p:sp>
+    </p:spTree>
+    <p:extLst>
+      <p:ext uri="{BB962C8B-B14F-4D97-AF65-F5344CB8AC3E}">
+        <p14:creationId xmlns:p14="http://schemas.microsoft.com/office/powerpoint/2010/main" val="2720474112"/>
+      </p:ext>
+    </p:extLst>
+  </p:cSld>
+  <p:clrMapOvr>
+    <a:masterClrMapping/>
+  </p:clrMapOvr>
+</p:sld>
+</file>
+
+<file path=ppt/slides/slide19.xml><?xml version="1.0" encoding="utf-8"?>
+<p:sld xmlns:a="http://schemas.openxmlformats.org/drawingml/2006/main" xmlns:r="http://schemas.openxmlformats.org/officeDocument/2006/relationships" xmlns:p="http://schemas.openxmlformats.org/presentationml/2006/main">
+  <p:cSld>
+    <p:spTree>
+      <p:nvGrpSpPr>
+        <p:cNvPr id="1" name=""/>
+        <p:cNvGrpSpPr/>
+        <p:nvPr/>
+      </p:nvGrpSpPr>
+      <p:grpSpPr>
+        <a:xfrm>
+          <a:off x="0" y="0"/>
+          <a:ext cx="0" cy="0"/>
+          <a:chOff x="0" y="0"/>
+          <a:chExt cx="0" cy="0"/>
+        </a:xfrm>
+      </p:grpSpPr>
+      <p:sp>
+        <p:nvSpPr>
+          <p:cNvPr id="2" name="Title 1"/>
+          <p:cNvSpPr>
+            <a:spLocks noGrp="1"/>
+          </p:cNvSpPr>
+          <p:nvPr>
+            <p:ph type="title"/>
+          </p:nvPr>
+        </p:nvSpPr>
         <p:spPr/>
         <p:txBody>
           <a:bodyPr/>
@@ -13591,8 +13710,70 @@
         </p:nvSpPr>
         <p:spPr/>
         <p:txBody>
-          <a:bodyPr/>
+          <a:bodyPr>
+            <a:normAutofit fontScale="62500" lnSpcReduction="20000"/>
+          </a:bodyPr>
           <a:lstStyle/>
+          <a:p>
+            <a:r>
+              <a:rPr lang="en-US" dirty="0"/>
+              <a:t>Through this project I was able to understand the factors that makes </a:t>
+            </a:r>
+            <a:r>
+              <a:rPr lang="en-US" dirty="0" smtClean="0"/>
+              <a:t>micro finance investment decisions better.</a:t>
+            </a:r>
+            <a:endParaRPr lang="en-US" dirty="0"/>
+          </a:p>
+          <a:p>
+            <a:r>
+              <a:rPr lang="en-US" dirty="0"/>
+              <a:t>The data revealed that customers </a:t>
+            </a:r>
+            <a:r>
+              <a:rPr lang="en-US" dirty="0" smtClean="0"/>
+              <a:t> are prefer short term loans and the loan count increases in the month of July. The loan had been repaid by huge numbers in the month of August, even for the defaulters. The consequent months there was a dip in the loan. </a:t>
+            </a:r>
+            <a:endParaRPr lang="en-US" dirty="0"/>
+          </a:p>
+          <a:p>
+            <a:r>
+              <a:rPr lang="en-US" dirty="0" smtClean="0"/>
+              <a:t>We can see the highest accuracy provided by . </a:t>
+            </a:r>
+            <a:endParaRPr lang="en-US" dirty="0"/>
+          </a:p>
+          <a:p>
+            <a:pPr lvl="0"/>
+            <a:r>
+              <a:rPr lang="en-US" dirty="0"/>
+              <a:t>Therefore, we may conclude that </a:t>
+            </a:r>
+            <a:r>
+              <a:rPr lang="en-US" dirty="0" smtClean="0"/>
+              <a:t>good short term offers attracts consumers more than </a:t>
+            </a:r>
+            <a:r>
+              <a:rPr lang="en-US" dirty="0"/>
+              <a:t>We can see the highest accuracy provided by Decision Tree. </a:t>
+            </a:r>
+            <a:endParaRPr lang="en-IN" dirty="0"/>
+          </a:p>
+          <a:p>
+            <a:pPr lvl="0"/>
+            <a:r>
+              <a:rPr lang="en-US" dirty="0"/>
+              <a:t>Therefore, we may conclude that good short term offers attracts consumers more than any other. Consumers also opt more for loan amount 6 than any other. </a:t>
+            </a:r>
+            <a:endParaRPr lang="en-IN" dirty="0"/>
+          </a:p>
+          <a:p>
+            <a:pPr lvl="0"/>
+            <a:r>
+              <a:rPr lang="en-IN" dirty="0"/>
+              <a:t>We also found that most of the consumers are non-defaulters and opting for short term loans like 30, 60 or 90 days. Hence, this market seems to be a profitable one for investment.</a:t>
+            </a:r>
+          </a:p>
           <a:p>
             <a:endParaRPr lang="en-IN" dirty="0"/>
           </a:p>
@@ -13611,7 +13792,183 @@
 </p:sld>
 </file>
 
-<file path=ppt/slides/slide19.xml><?xml version="1.0" encoding="utf-8"?>
+<file path=ppt/slides/slide2.xml><?xml version="1.0" encoding="utf-8"?>
+<p:sld xmlns:a="http://schemas.openxmlformats.org/drawingml/2006/main" xmlns:r="http://schemas.openxmlformats.org/officeDocument/2006/relationships" xmlns:p="http://schemas.openxmlformats.org/presentationml/2006/main">
+  <p:cSld>
+    <p:spTree>
+      <p:nvGrpSpPr>
+        <p:cNvPr id="1" name=""/>
+        <p:cNvGrpSpPr/>
+        <p:nvPr/>
+      </p:nvGrpSpPr>
+      <p:grpSpPr>
+        <a:xfrm>
+          <a:off x="0" y="0"/>
+          <a:ext cx="0" cy="0"/>
+          <a:chOff x="0" y="0"/>
+          <a:chExt cx="0" cy="0"/>
+        </a:xfrm>
+      </p:grpSpPr>
+      <p:sp>
+        <p:nvSpPr>
+          <p:cNvPr id="5" name="Title 1"/>
+          <p:cNvSpPr>
+            <a:spLocks noGrp="1"/>
+          </p:cNvSpPr>
+          <p:nvPr>
+            <p:ph idx="1"/>
+          </p:nvPr>
+        </p:nvSpPr>
+        <p:spPr>
+          <a:xfrm>
+            <a:off x="1141413" y="822325"/>
+            <a:ext cx="9906000" cy="4968875"/>
+          </a:xfrm>
+        </p:spPr>
+        <p:txBody>
+          <a:bodyPr>
+            <a:normAutofit lnSpcReduction="10000"/>
+          </a:bodyPr>
+          <a:lstStyle/>
+          <a:p>
+            <a:pPr marL="457200" indent="-457200"/>
+            <a:r>
+              <a:rPr lang="en-US" dirty="0">
+                <a:latin typeface="Bahnschrift SemiBold" panose="020B0502040204020203" pitchFamily="34" charset="0"/>
+              </a:rPr>
+              <a:t>Overview</a:t>
+            </a:r>
+          </a:p>
+          <a:p>
+            <a:pPr marL="457200" indent="-457200"/>
+            <a:r>
+              <a:rPr lang="en-US" dirty="0">
+                <a:latin typeface="Bahnschrift SemiBold" panose="020B0502040204020203" pitchFamily="34" charset="0"/>
+              </a:rPr>
+              <a:t>Introduction</a:t>
+            </a:r>
+          </a:p>
+          <a:p>
+            <a:pPr marL="457200" indent="-457200"/>
+            <a:r>
+              <a:rPr lang="en-US" dirty="0">
+                <a:latin typeface="Bahnschrift SemiBold" panose="020B0502040204020203" pitchFamily="34" charset="0"/>
+              </a:rPr>
+              <a:t>Problem Statement</a:t>
+            </a:r>
+          </a:p>
+          <a:p>
+            <a:pPr marL="457200" indent="-457200"/>
+            <a:r>
+              <a:rPr lang="en-US" dirty="0">
+                <a:latin typeface="Bahnschrift SemiBold" panose="020B0502040204020203" pitchFamily="34" charset="0"/>
+              </a:rPr>
+              <a:t>Problem </a:t>
+            </a:r>
+            <a:r>
+              <a:rPr lang="en-US" dirty="0" smtClean="0">
+                <a:latin typeface="Bahnschrift SemiBold" panose="020B0502040204020203" pitchFamily="34" charset="0"/>
+              </a:rPr>
+              <a:t>Analysis</a:t>
+            </a:r>
+          </a:p>
+          <a:p>
+            <a:pPr marL="457200" indent="-457200"/>
+            <a:r>
+              <a:rPr lang="en-US" dirty="0" smtClean="0">
+                <a:latin typeface="Bahnschrift SemiBold" panose="020B0502040204020203" pitchFamily="34" charset="0"/>
+              </a:rPr>
+              <a:t>Review of Literature</a:t>
+            </a:r>
+            <a:endParaRPr lang="en-US" dirty="0">
+              <a:latin typeface="Bahnschrift SemiBold" panose="020B0502040204020203" pitchFamily="34" charset="0"/>
+            </a:endParaRPr>
+          </a:p>
+          <a:p>
+            <a:pPr marL="457200" indent="-457200"/>
+            <a:r>
+              <a:rPr lang="en-US" dirty="0" smtClean="0">
+                <a:latin typeface="Bahnschrift SemiBold" panose="020B0502040204020203" pitchFamily="34" charset="0"/>
+              </a:rPr>
+              <a:t>Data </a:t>
+            </a:r>
+            <a:r>
+              <a:rPr lang="en-US" dirty="0">
+                <a:latin typeface="Bahnschrift SemiBold" panose="020B0502040204020203" pitchFamily="34" charset="0"/>
+              </a:rPr>
+              <a:t>Analysis of the </a:t>
+            </a:r>
+            <a:r>
+              <a:rPr lang="en-US" dirty="0" err="1">
+                <a:latin typeface="Bahnschrift SemiBold" panose="020B0502040204020203" pitchFamily="34" charset="0"/>
+              </a:rPr>
+              <a:t>DataSet</a:t>
+            </a:r>
+            <a:endParaRPr lang="en-US" dirty="0">
+              <a:latin typeface="Bahnschrift SemiBold" panose="020B0502040204020203" pitchFamily="34" charset="0"/>
+            </a:endParaRPr>
+          </a:p>
+          <a:p>
+            <a:pPr marL="457200" indent="-457200"/>
+            <a:r>
+              <a:rPr lang="en-US" dirty="0">
+                <a:latin typeface="Bahnschrift SemiBold" panose="020B0502040204020203" pitchFamily="34" charset="0"/>
+              </a:rPr>
+              <a:t>Understanding through </a:t>
+            </a:r>
+            <a:r>
+              <a:rPr lang="en-US" dirty="0" smtClean="0">
+                <a:latin typeface="Bahnschrift SemiBold" panose="020B0502040204020203" pitchFamily="34" charset="0"/>
+              </a:rPr>
+              <a:t>Visualization</a:t>
+            </a:r>
+          </a:p>
+          <a:p>
+            <a:pPr marL="457200" indent="-457200"/>
+            <a:r>
+              <a:rPr lang="en-US" dirty="0" smtClean="0">
+                <a:latin typeface="Bahnschrift SemiBold" panose="020B0502040204020203" pitchFamily="34" charset="0"/>
+              </a:rPr>
+              <a:t>Model Accuracy</a:t>
+            </a:r>
+            <a:endParaRPr lang="en-US" dirty="0">
+              <a:latin typeface="Bahnschrift SemiBold" panose="020B0502040204020203" pitchFamily="34" charset="0"/>
+            </a:endParaRPr>
+          </a:p>
+          <a:p>
+            <a:pPr marL="457200" indent="-457200"/>
+            <a:r>
+              <a:rPr lang="en-US" dirty="0" smtClean="0">
+                <a:latin typeface="Bahnschrift SemiBold" panose="020B0502040204020203" pitchFamily="34" charset="0"/>
+              </a:rPr>
+              <a:t>Concluding </a:t>
+            </a:r>
+            <a:r>
+              <a:rPr lang="en-US" dirty="0">
+                <a:latin typeface="Bahnschrift SemiBold" panose="020B0502040204020203" pitchFamily="34" charset="0"/>
+              </a:rPr>
+              <a:t>Statement</a:t>
+            </a:r>
+          </a:p>
+          <a:p>
+            <a:endParaRPr lang="en-IN" dirty="0"/>
+          </a:p>
+        </p:txBody>
+      </p:sp>
+    </p:spTree>
+    <p:extLst>
+      <p:ext uri="{BB962C8B-B14F-4D97-AF65-F5344CB8AC3E}">
+        <p14:creationId xmlns:p14="http://schemas.microsoft.com/office/powerpoint/2010/main" val="688521628"/>
+      </p:ext>
+    </p:extLst>
+  </p:cSld>
+  <p:clrMapOvr>
+    <a:masterClrMapping/>
+  </p:clrMapOvr>
+</p:sld>
+</file>
+
+<file path=ppt/slides/slide20.xml><?xml version="1.0" encoding="utf-8"?>
 <p:sld xmlns:a="http://schemas.openxmlformats.org/drawingml/2006/main" xmlns:r="http://schemas.openxmlformats.org/officeDocument/2006/relationships" xmlns:p="http://schemas.openxmlformats.org/presentationml/2006/main">
   <p:cSld>
     <p:spTree>
@@ -13670,164 +14027,6 @@
 </p:sld>
 </file>
 
-<file path=ppt/slides/slide2.xml><?xml version="1.0" encoding="utf-8"?>
-<p:sld xmlns:a="http://schemas.openxmlformats.org/drawingml/2006/main" xmlns:r="http://schemas.openxmlformats.org/officeDocument/2006/relationships" xmlns:p="http://schemas.openxmlformats.org/presentationml/2006/main">
-  <p:cSld>
-    <p:spTree>
-      <p:nvGrpSpPr>
-        <p:cNvPr id="1" name=""/>
-        <p:cNvGrpSpPr/>
-        <p:nvPr/>
-      </p:nvGrpSpPr>
-      <p:grpSpPr>
-        <a:xfrm>
-          <a:off x="0" y="0"/>
-          <a:ext cx="0" cy="0"/>
-          <a:chOff x="0" y="0"/>
-          <a:chExt cx="0" cy="0"/>
-        </a:xfrm>
-      </p:grpSpPr>
-      <p:sp>
-        <p:nvSpPr>
-          <p:cNvPr id="5" name="Title 1"/>
-          <p:cNvSpPr>
-            <a:spLocks noGrp="1"/>
-          </p:cNvSpPr>
-          <p:nvPr>
-            <p:ph idx="1"/>
-          </p:nvPr>
-        </p:nvSpPr>
-        <p:spPr>
-          <a:xfrm>
-            <a:off x="1141413" y="822325"/>
-            <a:ext cx="9906000" cy="4968875"/>
-          </a:xfrm>
-        </p:spPr>
-        <p:txBody>
-          <a:bodyPr>
-            <a:normAutofit/>
-          </a:bodyPr>
-          <a:lstStyle/>
-          <a:p>
-            <a:pPr marL="457200" indent="-457200"/>
-            <a:r>
-              <a:rPr lang="en-US" dirty="0">
-                <a:latin typeface="Bahnschrift SemiBold" panose="020B0502040204020203" pitchFamily="34" charset="0"/>
-              </a:rPr>
-              <a:t>Overview</a:t>
-            </a:r>
-          </a:p>
-          <a:p>
-            <a:pPr marL="457200" indent="-457200"/>
-            <a:r>
-              <a:rPr lang="en-US" dirty="0">
-                <a:latin typeface="Bahnschrift SemiBold" panose="020B0502040204020203" pitchFamily="34" charset="0"/>
-              </a:rPr>
-              <a:t>Introduction</a:t>
-            </a:r>
-          </a:p>
-          <a:p>
-            <a:pPr marL="457200" indent="-457200"/>
-            <a:r>
-              <a:rPr lang="en-US" dirty="0">
-                <a:latin typeface="Bahnschrift SemiBold" panose="020B0502040204020203" pitchFamily="34" charset="0"/>
-              </a:rPr>
-              <a:t>Problem Statement</a:t>
-            </a:r>
-          </a:p>
-          <a:p>
-            <a:pPr marL="457200" indent="-457200"/>
-            <a:r>
-              <a:rPr lang="en-US" dirty="0">
-                <a:latin typeface="Bahnschrift SemiBold" panose="020B0502040204020203" pitchFamily="34" charset="0"/>
-              </a:rPr>
-              <a:t>Problem </a:t>
-            </a:r>
-            <a:r>
-              <a:rPr lang="en-US" dirty="0" smtClean="0">
-                <a:latin typeface="Bahnschrift SemiBold" panose="020B0502040204020203" pitchFamily="34" charset="0"/>
-              </a:rPr>
-              <a:t>Analysis</a:t>
-            </a:r>
-          </a:p>
-          <a:p>
-            <a:pPr marL="457200" indent="-457200"/>
-            <a:r>
-              <a:rPr lang="en-US" dirty="0" smtClean="0">
-                <a:latin typeface="Bahnschrift SemiBold" panose="020B0502040204020203" pitchFamily="34" charset="0"/>
-              </a:rPr>
-              <a:t>Review of Literature</a:t>
-            </a:r>
-            <a:endParaRPr lang="en-US" dirty="0">
-              <a:latin typeface="Bahnschrift SemiBold" panose="020B0502040204020203" pitchFamily="34" charset="0"/>
-            </a:endParaRPr>
-          </a:p>
-          <a:p>
-            <a:pPr marL="457200" indent="-457200"/>
-            <a:r>
-              <a:rPr lang="en-US" dirty="0" smtClean="0">
-                <a:latin typeface="Bahnschrift SemiBold" panose="020B0502040204020203" pitchFamily="34" charset="0"/>
-              </a:rPr>
-              <a:t>Data </a:t>
-            </a:r>
-            <a:r>
-              <a:rPr lang="en-US" dirty="0">
-                <a:latin typeface="Bahnschrift SemiBold" panose="020B0502040204020203" pitchFamily="34" charset="0"/>
-              </a:rPr>
-              <a:t>Analysis of the </a:t>
-            </a:r>
-            <a:r>
-              <a:rPr lang="en-US" dirty="0" err="1">
-                <a:latin typeface="Bahnschrift SemiBold" panose="020B0502040204020203" pitchFamily="34" charset="0"/>
-              </a:rPr>
-              <a:t>DataSet</a:t>
-            </a:r>
-            <a:endParaRPr lang="en-US" dirty="0">
-              <a:latin typeface="Bahnschrift SemiBold" panose="020B0502040204020203" pitchFamily="34" charset="0"/>
-            </a:endParaRPr>
-          </a:p>
-          <a:p>
-            <a:pPr marL="457200" indent="-457200"/>
-            <a:r>
-              <a:rPr lang="en-US" dirty="0">
-                <a:latin typeface="Bahnschrift SemiBold" panose="020B0502040204020203" pitchFamily="34" charset="0"/>
-              </a:rPr>
-              <a:t>Understanding through Visualization</a:t>
-            </a:r>
-          </a:p>
-          <a:p>
-            <a:pPr marL="457200" indent="-457200"/>
-            <a:r>
-              <a:rPr lang="en-US" smtClean="0">
-                <a:latin typeface="Bahnschrift SemiBold" panose="020B0502040204020203" pitchFamily="34" charset="0"/>
-              </a:rPr>
-              <a:t>Concluding </a:t>
-            </a:r>
-            <a:r>
-              <a:rPr lang="en-US" dirty="0">
-                <a:latin typeface="Bahnschrift SemiBold" panose="020B0502040204020203" pitchFamily="34" charset="0"/>
-              </a:rPr>
-              <a:t>Statement</a:t>
-            </a:r>
-          </a:p>
-          <a:p>
-            <a:endParaRPr lang="en-IN" dirty="0"/>
-          </a:p>
-        </p:txBody>
-      </p:sp>
-    </p:spTree>
-    <p:extLst>
-      <p:ext uri="{BB962C8B-B14F-4D97-AF65-F5344CB8AC3E}">
-        <p14:creationId xmlns:p14="http://schemas.microsoft.com/office/powerpoint/2010/main" val="688521628"/>
-      </p:ext>
-    </p:extLst>
-  </p:cSld>
-  <p:clrMapOvr>
-    <a:masterClrMapping/>
-  </p:clrMapOvr>
-</p:sld>
-</file>
-
 <file path=ppt/slides/slide3.xml><?xml version="1.0" encoding="utf-8"?>
 <p:sld xmlns:a="http://schemas.openxmlformats.org/drawingml/2006/main" xmlns:r="http://schemas.openxmlformats.org/officeDocument/2006/relationships" xmlns:p="http://schemas.openxmlformats.org/presentationml/2006/main">
   <p:cSld>
@@ -14146,7 +14345,19 @@
             </a:r>
             <a:r>
               <a:rPr lang="en-IN" dirty="0"/>
-              <a:t> historical transactions to discover useful models for loan applicants. Moreover, experiments demonstrate that the Multiple Linear Regression that is a competitive approach.</a:t>
+              <a:t> historical transactions to discover useful models for loan applicants. Moreover, experiments demonstrate that the </a:t>
+            </a:r>
+            <a:r>
+              <a:rPr lang="en-IN" dirty="0"/>
+              <a:t>Decision Tree offers us a </a:t>
+            </a:r>
+            <a:r>
+              <a:rPr lang="en-IN" dirty="0" smtClean="0"/>
+              <a:t>competitive </a:t>
+            </a:r>
+            <a:r>
+              <a:rPr lang="en-IN" dirty="0"/>
+              <a:t>approach.</a:t>
             </a:r>
           </a:p>
           <a:p>
@@ -14679,7 +14890,15 @@
           <a:p>
             <a:r>
               <a:rPr lang="en-IN" dirty="0"/>
-              <a:t>We have used bar plots to visualise the data. ‘</a:t>
+              <a:t>We have used bar </a:t>
+            </a:r>
+            <a:r>
+              <a:rPr lang="en-IN" dirty="0" smtClean="0"/>
+              <a:t>plots and count plots </a:t>
+            </a:r>
+            <a:r>
+              <a:rPr lang="en-IN" dirty="0"/>
+              <a:t>to visualise the data. ‘</a:t>
             </a:r>
           </a:p>
           <a:p>
